--- a/Formatted Slides/Module0_Video1.pptx
+++ b/Formatted Slides/Module0_Video1.pptx
@@ -5,7 +5,7 @@
     <p:sldMasterId id="2147483660" r:id="rId1"/>
   </p:sldMasterIdLst>
   <p:notesMasterIdLst>
-    <p:notesMasterId r:id="rId10"/>
+    <p:notesMasterId r:id="rId11"/>
   </p:notesMasterIdLst>
   <p:sldIdLst>
     <p:sldId id="452" r:id="rId2"/>
@@ -14,32 +14,33 @@
     <p:sldId id="455" r:id="rId5"/>
     <p:sldId id="456" r:id="rId6"/>
     <p:sldId id="457" r:id="rId7"/>
-    <p:sldId id="458" r:id="rId8"/>
-    <p:sldId id="444" r:id="rId9"/>
+    <p:sldId id="459" r:id="rId8"/>
+    <p:sldId id="458" r:id="rId9"/>
+    <p:sldId id="444" r:id="rId10"/>
   </p:sldIdLst>
   <p:sldSz cx="24384000" cy="13716000"/>
   <p:notesSz cx="6858000" cy="9144000"/>
   <p:embeddedFontLst>
     <p:embeddedFont>
       <p:font typeface="Calibri" panose="020F0502020204030204" pitchFamily="34" charset="0"/>
-      <p:regular r:id="rId11"/>
-      <p:bold r:id="rId12"/>
-      <p:italic r:id="rId13"/>
-      <p:boldItalic r:id="rId14"/>
+      <p:regular r:id="rId12"/>
+      <p:bold r:id="rId13"/>
+      <p:italic r:id="rId14"/>
+      <p:boldItalic r:id="rId15"/>
     </p:embeddedFont>
     <p:embeddedFont>
       <p:font typeface="Nunito Sans" pitchFamily="2" charset="0"/>
-      <p:regular r:id="rId15"/>
-      <p:bold r:id="rId16"/>
-      <p:italic r:id="rId17"/>
-      <p:boldItalic r:id="rId18"/>
+      <p:regular r:id="rId16"/>
+      <p:bold r:id="rId17"/>
+      <p:italic r:id="rId18"/>
+      <p:boldItalic r:id="rId19"/>
     </p:embeddedFont>
     <p:embeddedFont>
       <p:font typeface="Nunito Sans SemiBold" pitchFamily="2" charset="0"/>
-      <p:regular r:id="rId19"/>
-      <p:bold r:id="rId20"/>
-      <p:italic r:id="rId21"/>
-      <p:boldItalic r:id="rId22"/>
+      <p:regular r:id="rId20"/>
+      <p:bold r:id="rId21"/>
+      <p:italic r:id="rId22"/>
+      <p:boldItalic r:id="rId23"/>
     </p:embeddedFont>
   </p:embeddedFontLst>
   <p:defaultTextStyle>
@@ -227,7 +228,7 @@
           <a:p>
             <a:fld id="{A1994904-53C7-FE4A-A4F3-9371B9AA3FA4}" type="datetimeFigureOut">
               <a:rPr lang="en-US" smtClean="0"/>
-              <a:t>7/3/2023</a:t>
+              <a:t>7/10/2023</a:t>
             </a:fld>
             <a:endParaRPr lang="en-US"/>
           </a:p>
@@ -643,7 +644,7 @@
           <a:p>
             <a:fld id="{D343CE2E-3DB2-2543-A1CC-255A6E8F42E8}" type="slidenum">
               <a:rPr lang="en-US" smtClean="0"/>
-              <a:t>8</a:t>
+              <a:t>9</a:t>
             </a:fld>
             <a:endParaRPr lang="en-US"/>
           </a:p>
@@ -4218,7 +4219,7 @@
             </a:pPr>
             <a:r>
               <a:rPr lang="en-US" sz="4400" dirty="0"/>
-              <a:t>Welcome!</a:t>
+              <a:t>Background</a:t>
             </a:r>
           </a:p>
           <a:p>
@@ -4352,15 +4353,15 @@
               <a:buChar char="•"/>
             </a:pPr>
             <a:r>
-              <a:rPr lang="en-US" sz="3600" dirty="0"/>
+              <a:rPr lang="en-US" sz="3200" dirty="0"/>
               <a:t>I’m Maria Tomasso, a 4</a:t>
             </a:r>
             <a:r>
-              <a:rPr lang="en-US" sz="3600" baseline="30000" dirty="0"/>
+              <a:rPr lang="en-US" sz="3200" baseline="30000" dirty="0"/>
               <a:t>th</a:t>
             </a:r>
             <a:r>
-              <a:rPr lang="en-US" sz="3600" dirty="0"/>
+              <a:rPr lang="en-US" sz="3200" dirty="0"/>
               <a:t> year PhD student in computer science and researcher with the Translational Health Research Center (THRC)</a:t>
             </a:r>
           </a:p>
@@ -4370,23 +4371,23 @@
               <a:buChar char="•"/>
             </a:pPr>
             <a:r>
-              <a:rPr lang="en-US" sz="3600" dirty="0"/>
-              <a:t>For the past year, we have been compiling data on mental health in Central Texas as part of the Monitoring and Access Portal (MAP) project.  Our goal is to create a </a:t>
-            </a:r>
-            <a:r>
-              <a:rPr lang="en-US" sz="3600" b="1" dirty="0"/>
+              <a:rPr lang="en-US" sz="3200" dirty="0"/>
+              <a:t>For the past year, we at THRC have been compiling data on mental health in Central Texas as part of the Monitoring and Access Portal (MAP) project.  Our goal is to create a </a:t>
+            </a:r>
+            <a:r>
+              <a:rPr lang="en-US" sz="3200" b="1" dirty="0"/>
               <a:t>comprehensive dashboard</a:t>
             </a:r>
             <a:r>
-              <a:rPr lang="en-US" sz="3600" dirty="0"/>
+              <a:rPr lang="en-US" sz="3200" dirty="0"/>
               <a:t> and </a:t>
             </a:r>
             <a:r>
-              <a:rPr lang="en-US" sz="3600" b="1" dirty="0"/>
-              <a:t>resource library</a:t>
-            </a:r>
-            <a:r>
-              <a:rPr lang="en-US" sz="3600" dirty="0"/>
+              <a:rPr lang="en-US" sz="3200" b="1" dirty="0"/>
+              <a:t>interactive resource library</a:t>
+            </a:r>
+            <a:r>
+              <a:rPr lang="en-US" sz="3200" dirty="0"/>
               <a:t> with this data, and we have achieved the first objective.</a:t>
             </a:r>
           </a:p>
@@ -4396,13 +4397,38 @@
               <a:buChar char="•"/>
             </a:pPr>
             <a:r>
-              <a:rPr lang="en-US" sz="3600" dirty="0"/>
-              <a:t>I’ve learned a lot about dashboard building in phase 1 of this project, and the purpose of this video series is to share what I’ve learned in a tutorial format while we build the resources library </a:t>
-            </a:r>
-            <a:r>
-              <a:rPr lang="en-US" sz="3600" b="1" dirty="0"/>
+              <a:rPr lang="en-US" sz="3200" dirty="0"/>
+              <a:t>The purpose of this video series is to share what I’ve learned in a tutorial format while we build the resources library </a:t>
+            </a:r>
+            <a:r>
+              <a:rPr lang="en-US" sz="3200" b="1" dirty="0"/>
               <a:t>together.</a:t>
             </a:r>
+          </a:p>
+          <a:p>
+            <a:pPr marL="457200" indent="-457200">
+              <a:buFont typeface="Arial" panose="020B0604020202020204" pitchFamily="34" charset="0"/>
+              <a:buChar char="•"/>
+            </a:pPr>
+            <a:r>
+              <a:rPr lang="en-US" sz="3200" dirty="0"/>
+              <a:t>These videos are designed specifically for </a:t>
+            </a:r>
+            <a:r>
+              <a:rPr lang="en-US" sz="3200" b="1" dirty="0"/>
+              <a:t>people working with open health data</a:t>
+            </a:r>
+            <a:r>
+              <a:rPr lang="en-US" sz="3200" dirty="0"/>
+              <a:t>, but I hope they are helpful to anyone trying to learn R and Tableau</a:t>
+            </a:r>
+          </a:p>
+          <a:p>
+            <a:pPr marL="457200" indent="-457200">
+              <a:buFont typeface="Arial" panose="020B0604020202020204" pitchFamily="34" charset="0"/>
+              <a:buChar char="•"/>
+            </a:pPr>
+            <a:endParaRPr lang="en-US" sz="3600" b="1" dirty="0"/>
           </a:p>
           <a:p>
             <a:pPr marL="457200" indent="-457200">
@@ -4504,16 +4530,72 @@
               <a:buChar char="•"/>
             </a:pPr>
             <a:r>
-              <a:rPr lang="en-US" sz="4000" dirty="0"/>
-              <a:t>The main steps to dashboard building </a:t>
-            </a:r>
-            <a:r>
-              <a:rPr lang="en-US" sz="4000" b="1" dirty="0"/>
-              <a:t>are data collection, data cleaning, data visualization, dashboard design, implementation, and deployment</a:t>
-            </a:r>
-            <a:r>
-              <a:rPr lang="en-US" sz="4000" dirty="0"/>
-              <a:t>.  </a:t>
+              <a:rPr lang="en-US" sz="3600" dirty="0"/>
+              <a:t>The main steps to my workflow for dashboard building are:</a:t>
+            </a:r>
+          </a:p>
+          <a:p>
+            <a:pPr marL="1657350" lvl="1" indent="-742950">
+              <a:buFont typeface="+mj-lt"/>
+              <a:buAutoNum type="arabicPeriod"/>
+            </a:pPr>
+            <a:r>
+              <a:rPr lang="en-US" sz="3600" b="1" dirty="0"/>
+              <a:t>Data collection</a:t>
+            </a:r>
+          </a:p>
+          <a:p>
+            <a:pPr marL="1657350" lvl="1" indent="-742950">
+              <a:buFont typeface="+mj-lt"/>
+              <a:buAutoNum type="arabicPeriod"/>
+            </a:pPr>
+            <a:r>
+              <a:rPr lang="en-US" sz="3600" b="1" dirty="0"/>
+              <a:t>Dashboard design </a:t>
+            </a:r>
+          </a:p>
+          <a:p>
+            <a:pPr marL="1657350" lvl="1" indent="-742950">
+              <a:buFont typeface="+mj-lt"/>
+              <a:buAutoNum type="arabicPeriod"/>
+            </a:pPr>
+            <a:r>
+              <a:rPr lang="en-US" sz="3600" b="1" dirty="0"/>
+              <a:t>Data cleaning </a:t>
+            </a:r>
+          </a:p>
+          <a:p>
+            <a:pPr marL="1657350" lvl="1" indent="-742950">
+              <a:buFont typeface="+mj-lt"/>
+              <a:buAutoNum type="arabicPeriod"/>
+            </a:pPr>
+            <a:r>
+              <a:rPr lang="en-US" sz="3600" b="1" dirty="0"/>
+              <a:t>Data visualization </a:t>
+            </a:r>
+          </a:p>
+          <a:p>
+            <a:pPr marL="1657350" lvl="1" indent="-742950">
+              <a:buFont typeface="+mj-lt"/>
+              <a:buAutoNum type="arabicPeriod"/>
+            </a:pPr>
+            <a:r>
+              <a:rPr lang="en-US" sz="3600" b="1" dirty="0"/>
+              <a:t>Implementation </a:t>
+            </a:r>
+          </a:p>
+          <a:p>
+            <a:pPr marL="1657350" lvl="1" indent="-742950">
+              <a:buFont typeface="+mj-lt"/>
+              <a:buAutoNum type="arabicPeriod"/>
+            </a:pPr>
+            <a:r>
+              <a:rPr lang="en-US" sz="3600" b="1" dirty="0"/>
+              <a:t>Deployment</a:t>
+            </a:r>
+            <a:r>
+              <a:rPr lang="en-US" sz="3600" dirty="0"/>
+              <a:t>  </a:t>
             </a:r>
           </a:p>
           <a:p>
@@ -4522,7 +4604,7 @@
               <a:buChar char="•"/>
             </a:pPr>
             <a:r>
-              <a:rPr lang="en-US" sz="4000" dirty="0"/>
+              <a:rPr lang="en-US" sz="3600" dirty="0"/>
               <a:t>We will discuss best practices for each of these steps, introduce some tools, and implement the steps as we build the resource library dashboard. </a:t>
             </a:r>
           </a:p>
@@ -4532,7 +4614,7 @@
               <a:buChar char="•"/>
             </a:pPr>
             <a:r>
-              <a:rPr lang="en-US" sz="4000" dirty="0"/>
+              <a:rPr lang="en-US" sz="3600" dirty="0"/>
               <a:t>If time permits, we may cover some bonus topics as well!</a:t>
             </a:r>
           </a:p>
@@ -4663,7 +4745,7 @@
             </a:pPr>
             <a:r>
               <a:rPr lang="en-US" sz="4000" dirty="0"/>
-              <a:t>Tableau is the tool we will use to build and host our dashboard.</a:t>
+              <a:t>We will use Tableau to build and host our dashboard.</a:t>
             </a:r>
           </a:p>
           <a:p>
@@ -4790,12 +4872,19 @@
               <a:rPr lang="en-US" sz="4000" dirty="0">
                 <a:hlinkClick r:id="rId2"/>
               </a:rPr>
-              <a:t>https://public.tableau.com/app/profile/translational.health.research.center/viz/CHERRMentalHealthMapV2_2/Homepage</a:t>
-            </a:r>
-            <a:r>
-              <a:rPr lang="en-US" sz="4000" dirty="0"/>
-              <a:t> </a:t>
-            </a:r>
+              <a:t>https://public.tableau.com/app/profile/translational.health.research.center/viz/CHERRMentalHealthMapV2_2</a:t>
+            </a:r>
+            <a:r>
+              <a:rPr lang="en-US" sz="4000">
+                <a:hlinkClick r:id="rId2"/>
+              </a:rPr>
+              <a:t>/Homepage</a:t>
+            </a:r>
+            <a:r>
+              <a:rPr lang="en-US" sz="4000"/>
+              <a:t>  </a:t>
+            </a:r>
+            <a:endParaRPr lang="en-US" sz="4000" dirty="0"/>
           </a:p>
         </p:txBody>
       </p:sp>
@@ -4834,6 +4923,96 @@
           <p:cNvPr id="2" name="Title 1">
             <a:extLst>
               <a:ext uri="{FF2B5EF4-FFF2-40B4-BE49-F238E27FC236}">
+                <a16:creationId xmlns:a16="http://schemas.microsoft.com/office/drawing/2014/main" id="{F7252CBF-02A8-ED81-9CF2-824C52347E44}"/>
+              </a:ext>
+            </a:extLst>
+          </p:cNvPr>
+          <p:cNvSpPr>
+            <a:spLocks noGrp="1"/>
+          </p:cNvSpPr>
+          <p:nvPr>
+            <p:ph type="title"/>
+          </p:nvPr>
+        </p:nvSpPr>
+        <p:spPr/>
+        <p:txBody>
+          <a:bodyPr/>
+          <a:lstStyle/>
+          <a:p>
+            <a:r>
+              <a:rPr lang="en-US" dirty="0"/>
+              <a:t>RECAP</a:t>
+            </a:r>
+          </a:p>
+        </p:txBody>
+      </p:sp>
+      <p:sp>
+        <p:nvSpPr>
+          <p:cNvPr id="3" name="Text Placeholder 2">
+            <a:extLst>
+              <a:ext uri="{FF2B5EF4-FFF2-40B4-BE49-F238E27FC236}">
+                <a16:creationId xmlns:a16="http://schemas.microsoft.com/office/drawing/2014/main" id="{2550DF94-F040-262D-0CA7-14F5109E6F87}"/>
+              </a:ext>
+            </a:extLst>
+          </p:cNvPr>
+          <p:cNvSpPr>
+            <a:spLocks noGrp="1"/>
+          </p:cNvSpPr>
+          <p:nvPr>
+            <p:ph type="body" sz="quarter" idx="10"/>
+          </p:nvPr>
+        </p:nvSpPr>
+        <p:spPr/>
+        <p:txBody>
+          <a:bodyPr/>
+          <a:lstStyle/>
+          <a:p>
+            <a:pPr marL="457200" indent="-457200">
+              <a:buFont typeface="Arial" panose="020B0604020202020204" pitchFamily="34" charset="0"/>
+              <a:buChar char="•"/>
+            </a:pPr>
+            <a:r>
+              <a:rPr lang="en-US" sz="4000" dirty="0"/>
+              <a:t>We have discussed the purpose of this video series and explored the THRC Tableau mental health dashboard.</a:t>
+            </a:r>
+          </a:p>
+        </p:txBody>
+      </p:sp>
+    </p:spTree>
+    <p:extLst>
+      <p:ext uri="{BB962C8B-B14F-4D97-AF65-F5344CB8AC3E}">
+        <p14:creationId xmlns:p14="http://schemas.microsoft.com/office/powerpoint/2010/main" val="4079451951"/>
+      </p:ext>
+    </p:extLst>
+  </p:cSld>
+  <p:clrMapOvr>
+    <a:masterClrMapping/>
+  </p:clrMapOvr>
+</p:sld>
+</file>
+
+<file path=ppt/slides/slide8.xml><?xml version="1.0" encoding="utf-8"?>
+<p:sld xmlns:a="http://schemas.openxmlformats.org/drawingml/2006/main" xmlns:r="http://schemas.openxmlformats.org/officeDocument/2006/relationships" xmlns:p="http://schemas.openxmlformats.org/presentationml/2006/main">
+  <p:cSld>
+    <p:spTree>
+      <p:nvGrpSpPr>
+        <p:cNvPr id="1" name=""/>
+        <p:cNvGrpSpPr/>
+        <p:nvPr/>
+      </p:nvGrpSpPr>
+      <p:grpSpPr>
+        <a:xfrm>
+          <a:off x="0" y="0"/>
+          <a:ext cx="0" cy="0"/>
+          <a:chOff x="0" y="0"/>
+          <a:chExt cx="0" cy="0"/>
+        </a:xfrm>
+      </p:grpSpPr>
+      <p:sp>
+        <p:nvSpPr>
+          <p:cNvPr id="2" name="Title 1">
+            <a:extLst>
+              <a:ext uri="{FF2B5EF4-FFF2-40B4-BE49-F238E27FC236}">
                 <a16:creationId xmlns:a16="http://schemas.microsoft.com/office/drawing/2014/main" id="{2A78F4E5-7A90-0274-9653-B51F4CF2A092}"/>
               </a:ext>
             </a:extLst>
@@ -4912,7 +5091,7 @@
 </p:sld>
 </file>
 
-<file path=ppt/slides/slide8.xml><?xml version="1.0" encoding="utf-8"?>
+<file path=ppt/slides/slide9.xml><?xml version="1.0" encoding="utf-8"?>
 <p:sld xmlns:a="http://schemas.openxmlformats.org/drawingml/2006/main" xmlns:r="http://schemas.openxmlformats.org/officeDocument/2006/relationships" xmlns:p="http://schemas.openxmlformats.org/presentationml/2006/main">
   <p:cSld>
     <p:bg>
@@ -5586,19 +5765,22 @@
                 <a:ea typeface="Open Sans" panose="020B0606030504020204" pitchFamily="34" charset="0"/>
                 <a:cs typeface="Open Sans" panose="020B0606030504020204" pitchFamily="34" charset="0"/>
               </a:rPr>
+              <a:t>  </a:t>
+            </a:r>
+            <a:r>
+              <a:rPr lang="tr-TR" sz="2400" dirty="0">
+                <a:solidFill>
+                  <a:schemeClr val="tx1">
+                    <a:lumMod val="75000"/>
+                    <a:lumOff val="25000"/>
+                  </a:schemeClr>
+                </a:solidFill>
+                <a:latin typeface="Nunito Sans" pitchFamily="2" charset="77"/>
+                <a:ea typeface="Open Sans" panose="020B0606030504020204" pitchFamily="34" charset="0"/>
+                <a:cs typeface="Open Sans" panose="020B0606030504020204" pitchFamily="34" charset="0"/>
+              </a:rPr>
               <a:t> </a:t>
             </a:r>
-            <a:endParaRPr lang="tr-TR" sz="2400" dirty="0">
-              <a:solidFill>
-                <a:schemeClr val="tx1">
-                  <a:lumMod val="75000"/>
-                  <a:lumOff val="25000"/>
-                </a:schemeClr>
-              </a:solidFill>
-              <a:latin typeface="Nunito Sans" pitchFamily="2" charset="77"/>
-              <a:ea typeface="Open Sans" panose="020B0606030504020204" pitchFamily="34" charset="0"/>
-              <a:cs typeface="Open Sans" panose="020B0606030504020204" pitchFamily="34" charset="0"/>
-            </a:endParaRPr>
           </a:p>
         </p:txBody>
       </p:sp>
